--- a/cs564_fall17/slides/lecture24-query-opt.pptx
+++ b/cs564_fall17/slides/lecture24-query-opt.pptx
@@ -8845,10 +8845,10 @@
         </p:nvGrpSpPr>
         <p:grpSpPr>
           <a:xfrm>
-            <a:off x="5929758" y="3413790"/>
-            <a:ext cx="3129437" cy="2867913"/>
-            <a:chOff x="6604661" y="2825473"/>
-            <a:chExt cx="3129437" cy="2867913"/>
+            <a:off x="5987530" y="3413790"/>
+            <a:ext cx="2871615" cy="2843051"/>
+            <a:chOff x="6662433" y="2825473"/>
+            <a:chExt cx="2871615" cy="2843051"/>
           </a:xfrm>
         </p:grpSpPr>
         <p:sp>
@@ -8941,7 +8941,7 @@
           </p:nvSpPr>
           <p:spPr>
             <a:xfrm>
-              <a:off x="8409795" y="4891376"/>
+              <a:off x="6766094" y="4847299"/>
               <a:ext cx="1324303" cy="304015"/>
             </a:xfrm>
             <a:prstGeom prst="ellipse">
@@ -9184,7 +9184,7 @@
           </p:nvCxnSpPr>
           <p:spPr>
             <a:xfrm flipH="1">
-              <a:off x="9071946" y="5195391"/>
+              <a:off x="7428245" y="5151314"/>
               <a:ext cx="1" cy="274777"/>
             </a:xfrm>
             <a:prstGeom prst="line">
@@ -9219,7 +9219,7 @@
           </p:nvSpPr>
           <p:spPr>
             <a:xfrm>
-              <a:off x="6604661" y="4972173"/>
+              <a:off x="6662433" y="5445306"/>
               <a:ext cx="1467348" cy="223218"/>
             </a:xfrm>
             <a:prstGeom prst="ellipse">
@@ -9279,7 +9279,7 @@
           </p:nvSpPr>
           <p:spPr>
             <a:xfrm>
-              <a:off x="8488492" y="5470168"/>
+              <a:off x="8367140" y="4934601"/>
               <a:ext cx="1166908" cy="223218"/>
             </a:xfrm>
             <a:prstGeom prst="ellipse">

--- a/cs564_fall17/slides/lecture24-query-opt.pptx
+++ b/cs564_fall17/slides/lecture24-query-opt.pptx
@@ -32073,9 +32073,9 @@
         <p:grpSpPr>
           <a:xfrm>
             <a:off x="9884321" y="2713180"/>
-            <a:ext cx="1812033" cy="853384"/>
+            <a:ext cx="1980348" cy="853384"/>
             <a:chOff x="9884321" y="2713180"/>
-            <a:chExt cx="1812033" cy="853384"/>
+            <a:chExt cx="1980348" cy="853384"/>
           </a:xfrm>
         </p:grpSpPr>
         <p:sp>
@@ -32130,7 +32130,7 @@
           <p:spPr>
             <a:xfrm>
               <a:off x="10160356" y="2909039"/>
-              <a:ext cx="1535998" cy="461665"/>
+              <a:ext cx="1704313" cy="461665"/>
             </a:xfrm>
             <a:prstGeom prst="rect">
               <a:avLst/>
@@ -32151,7 +32151,7 @@
                   <a:ea typeface="Linux Libertine" charset="0"/>
                   <a:cs typeface="Linux Libertine" charset="0"/>
                 </a:rPr>
-                <a:t>Inner block</a:t>
+                <a:t>Nested block</a:t>
               </a:r>
               <a:endParaRPr lang="en-US" sz="1400" i="1" dirty="0"/>
             </a:p>
